--- a/about-html/Kortforsyningsplugin3_dansk.pptx
+++ b/about-html/Kortforsyningsplugin3_dansk.pptx
@@ -13,6 +13,7 @@
     <p:sldId id="273" r:id="rId7"/>
     <p:sldId id="262" r:id="rId8"/>
     <p:sldId id="259" r:id="rId9"/>
+    <p:sldId id="257" r:id="rId10"/>
   </p:sldIdLst>
   <p:sldSz cx="12192000" cy="6858000"/>
   <p:notesSz cx="6858000" cy="9144000"/>
@@ -268,7 +269,7 @@
           <a:p>
             <a:fld id="{E941B69C-30E9-4528-AF1E-84C48F433A02}" type="datetimeFigureOut">
               <a:rPr lang="da-DK" smtClean="0"/>
-              <a:t>21-12-2017</a:t>
+              <a:t>06-03-2019</a:t>
             </a:fld>
             <a:endParaRPr lang="da-DK"/>
           </a:p>
@@ -468,7 +469,7 @@
           <a:p>
             <a:fld id="{E941B69C-30E9-4528-AF1E-84C48F433A02}" type="datetimeFigureOut">
               <a:rPr lang="da-DK" smtClean="0"/>
-              <a:t>21-12-2017</a:t>
+              <a:t>06-03-2019</a:t>
             </a:fld>
             <a:endParaRPr lang="da-DK"/>
           </a:p>
@@ -678,7 +679,7 @@
           <a:p>
             <a:fld id="{E941B69C-30E9-4528-AF1E-84C48F433A02}" type="datetimeFigureOut">
               <a:rPr lang="da-DK" smtClean="0"/>
-              <a:t>21-12-2017</a:t>
+              <a:t>06-03-2019</a:t>
             </a:fld>
             <a:endParaRPr lang="da-DK"/>
           </a:p>
@@ -878,7 +879,7 @@
           <a:p>
             <a:fld id="{E941B69C-30E9-4528-AF1E-84C48F433A02}" type="datetimeFigureOut">
               <a:rPr lang="da-DK" smtClean="0"/>
-              <a:t>21-12-2017</a:t>
+              <a:t>06-03-2019</a:t>
             </a:fld>
             <a:endParaRPr lang="da-DK"/>
           </a:p>
@@ -1154,7 +1155,7 @@
           <a:p>
             <a:fld id="{E941B69C-30E9-4528-AF1E-84C48F433A02}" type="datetimeFigureOut">
               <a:rPr lang="da-DK" smtClean="0"/>
-              <a:t>21-12-2017</a:t>
+              <a:t>06-03-2019</a:t>
             </a:fld>
             <a:endParaRPr lang="da-DK"/>
           </a:p>
@@ -1422,7 +1423,7 @@
           <a:p>
             <a:fld id="{E941B69C-30E9-4528-AF1E-84C48F433A02}" type="datetimeFigureOut">
               <a:rPr lang="da-DK" smtClean="0"/>
-              <a:t>21-12-2017</a:t>
+              <a:t>06-03-2019</a:t>
             </a:fld>
             <a:endParaRPr lang="da-DK"/>
           </a:p>
@@ -1837,7 +1838,7 @@
           <a:p>
             <a:fld id="{E941B69C-30E9-4528-AF1E-84C48F433A02}" type="datetimeFigureOut">
               <a:rPr lang="da-DK" smtClean="0"/>
-              <a:t>21-12-2017</a:t>
+              <a:t>06-03-2019</a:t>
             </a:fld>
             <a:endParaRPr lang="da-DK"/>
           </a:p>
@@ -1979,7 +1980,7 @@
           <a:p>
             <a:fld id="{E941B69C-30E9-4528-AF1E-84C48F433A02}" type="datetimeFigureOut">
               <a:rPr lang="da-DK" smtClean="0"/>
-              <a:t>21-12-2017</a:t>
+              <a:t>06-03-2019</a:t>
             </a:fld>
             <a:endParaRPr lang="da-DK"/>
           </a:p>
@@ -2092,7 +2093,7 @@
           <a:p>
             <a:fld id="{E941B69C-30E9-4528-AF1E-84C48F433A02}" type="datetimeFigureOut">
               <a:rPr lang="da-DK" smtClean="0"/>
-              <a:t>21-12-2017</a:t>
+              <a:t>06-03-2019</a:t>
             </a:fld>
             <a:endParaRPr lang="da-DK"/>
           </a:p>
@@ -2405,7 +2406,7 @@
           <a:p>
             <a:fld id="{E941B69C-30E9-4528-AF1E-84C48F433A02}" type="datetimeFigureOut">
               <a:rPr lang="da-DK" smtClean="0"/>
-              <a:t>21-12-2017</a:t>
+              <a:t>06-03-2019</a:t>
             </a:fld>
             <a:endParaRPr lang="da-DK"/>
           </a:p>
@@ -2694,7 +2695,7 @@
           <a:p>
             <a:fld id="{E941B69C-30E9-4528-AF1E-84C48F433A02}" type="datetimeFigureOut">
               <a:rPr lang="da-DK" smtClean="0"/>
-              <a:t>21-12-2017</a:t>
+              <a:t>06-03-2019</a:t>
             </a:fld>
             <a:endParaRPr lang="da-DK"/>
           </a:p>
@@ -2937,7 +2938,7 @@
           <a:p>
             <a:fld id="{E941B69C-30E9-4528-AF1E-84C48F433A02}" type="datetimeFigureOut">
               <a:rPr lang="da-DK" smtClean="0"/>
-              <a:t>21-12-2017</a:t>
+              <a:t>06-03-2019</a:t>
             </a:fld>
             <a:endParaRPr lang="da-DK"/>
           </a:p>
@@ -3905,6 +3906,96 @@
 </p:sld>
 </file>
 
+<file path=ppt/slides/slide9.xml><?xml version="1.0" encoding="utf-8"?>
+<p:sld xmlns:a="http://schemas.openxmlformats.org/drawingml/2006/main" xmlns:r="http://schemas.openxmlformats.org/officeDocument/2006/relationships" xmlns:p="http://schemas.openxmlformats.org/presentationml/2006/main">
+  <p:cSld>
+    <p:spTree>
+      <p:nvGrpSpPr>
+        <p:cNvPr id="1" name=""/>
+        <p:cNvGrpSpPr/>
+        <p:nvPr/>
+      </p:nvGrpSpPr>
+      <p:grpSpPr>
+        <a:xfrm>
+          <a:off x="0" y="0"/>
+          <a:ext cx="0" cy="0"/>
+          <a:chOff x="0" y="0"/>
+          <a:chExt cx="0" cy="0"/>
+        </a:xfrm>
+      </p:grpSpPr>
+      <p:pic>
+        <p:nvPicPr>
+          <p:cNvPr id="4" name="Picture 3">
+            <a:extLst>
+              <a:ext uri="{FF2B5EF4-FFF2-40B4-BE49-F238E27FC236}">
+                <a16:creationId xmlns:a16="http://schemas.microsoft.com/office/drawing/2014/main" id="{A59104E3-FF19-4A36-AC2F-FD467DE1E126}"/>
+              </a:ext>
+            </a:extLst>
+          </p:cNvPr>
+          <p:cNvPicPr>
+            <a:picLocks noChangeAspect="1"/>
+          </p:cNvPicPr>
+          <p:nvPr/>
+        </p:nvPicPr>
+        <p:blipFill>
+          <a:blip r:embed="rId2"/>
+          <a:stretch>
+            <a:fillRect/>
+          </a:stretch>
+        </p:blipFill>
+        <p:spPr>
+          <a:xfrm>
+            <a:off x="2008991" y="0"/>
+            <a:ext cx="8174017" cy="6858000"/>
+          </a:xfrm>
+          <a:prstGeom prst="rect">
+            <a:avLst/>
+          </a:prstGeom>
+        </p:spPr>
+      </p:pic>
+      <p:pic>
+        <p:nvPicPr>
+          <p:cNvPr id="5" name="Picture 4">
+            <a:extLst>
+              <a:ext uri="{FF2B5EF4-FFF2-40B4-BE49-F238E27FC236}">
+                <a16:creationId xmlns:a16="http://schemas.microsoft.com/office/drawing/2014/main" id="{BA5A2AA4-BEF2-4934-8E82-1376BD803B64}"/>
+              </a:ext>
+            </a:extLst>
+          </p:cNvPr>
+          <p:cNvPicPr>
+            <a:picLocks noChangeAspect="1"/>
+          </p:cNvPicPr>
+          <p:nvPr/>
+        </p:nvPicPr>
+        <p:blipFill>
+          <a:blip r:embed="rId3"/>
+          <a:stretch>
+            <a:fillRect/>
+          </a:stretch>
+        </p:blipFill>
+        <p:spPr>
+          <a:xfrm>
+            <a:off x="3707454" y="1721794"/>
+            <a:ext cx="5992430" cy="5033051"/>
+          </a:xfrm>
+          <a:prstGeom prst="rect">
+            <a:avLst/>
+          </a:prstGeom>
+        </p:spPr>
+      </p:pic>
+    </p:spTree>
+    <p:extLst>
+      <p:ext uri="{BB962C8B-B14F-4D97-AF65-F5344CB8AC3E}">
+        <p14:creationId xmlns:p14="http://schemas.microsoft.com/office/powerpoint/2010/main" val="2523060853"/>
+      </p:ext>
+    </p:extLst>
+  </p:cSld>
+  <p:clrMapOvr>
+    <a:masterClrMapping/>
+  </p:clrMapOvr>
+</p:sld>
+</file>
+
 <file path=ppt/theme/theme1.xml><?xml version="1.0" encoding="utf-8"?>
 <a:theme xmlns:a="http://schemas.openxmlformats.org/drawingml/2006/main" name="Office Theme">
   <a:themeElements>

--- a/about-html/Kortforsyningsplugin3_dansk.pptx
+++ b/about-html/Kortforsyningsplugin3_dansk.pptx
@@ -269,7 +269,7 @@
           <a:p>
             <a:fld id="{E941B69C-30E9-4528-AF1E-84C48F433A02}" type="datetimeFigureOut">
               <a:rPr lang="da-DK" smtClean="0"/>
-              <a:t>06-03-2019</a:t>
+              <a:t>13-03-2019</a:t>
             </a:fld>
             <a:endParaRPr lang="da-DK"/>
           </a:p>
@@ -469,7 +469,7 @@
           <a:p>
             <a:fld id="{E941B69C-30E9-4528-AF1E-84C48F433A02}" type="datetimeFigureOut">
               <a:rPr lang="da-DK" smtClean="0"/>
-              <a:t>06-03-2019</a:t>
+              <a:t>13-03-2019</a:t>
             </a:fld>
             <a:endParaRPr lang="da-DK"/>
           </a:p>
@@ -679,7 +679,7 @@
           <a:p>
             <a:fld id="{E941B69C-30E9-4528-AF1E-84C48F433A02}" type="datetimeFigureOut">
               <a:rPr lang="da-DK" smtClean="0"/>
-              <a:t>06-03-2019</a:t>
+              <a:t>13-03-2019</a:t>
             </a:fld>
             <a:endParaRPr lang="da-DK"/>
           </a:p>
@@ -879,7 +879,7 @@
           <a:p>
             <a:fld id="{E941B69C-30E9-4528-AF1E-84C48F433A02}" type="datetimeFigureOut">
               <a:rPr lang="da-DK" smtClean="0"/>
-              <a:t>06-03-2019</a:t>
+              <a:t>13-03-2019</a:t>
             </a:fld>
             <a:endParaRPr lang="da-DK"/>
           </a:p>
@@ -1155,7 +1155,7 @@
           <a:p>
             <a:fld id="{E941B69C-30E9-4528-AF1E-84C48F433A02}" type="datetimeFigureOut">
               <a:rPr lang="da-DK" smtClean="0"/>
-              <a:t>06-03-2019</a:t>
+              <a:t>13-03-2019</a:t>
             </a:fld>
             <a:endParaRPr lang="da-DK"/>
           </a:p>
@@ -1423,7 +1423,7 @@
           <a:p>
             <a:fld id="{E941B69C-30E9-4528-AF1E-84C48F433A02}" type="datetimeFigureOut">
               <a:rPr lang="da-DK" smtClean="0"/>
-              <a:t>06-03-2019</a:t>
+              <a:t>13-03-2019</a:t>
             </a:fld>
             <a:endParaRPr lang="da-DK"/>
           </a:p>
@@ -1838,7 +1838,7 @@
           <a:p>
             <a:fld id="{E941B69C-30E9-4528-AF1E-84C48F433A02}" type="datetimeFigureOut">
               <a:rPr lang="da-DK" smtClean="0"/>
-              <a:t>06-03-2019</a:t>
+              <a:t>13-03-2019</a:t>
             </a:fld>
             <a:endParaRPr lang="da-DK"/>
           </a:p>
@@ -1980,7 +1980,7 @@
           <a:p>
             <a:fld id="{E941B69C-30E9-4528-AF1E-84C48F433A02}" type="datetimeFigureOut">
               <a:rPr lang="da-DK" smtClean="0"/>
-              <a:t>06-03-2019</a:t>
+              <a:t>13-03-2019</a:t>
             </a:fld>
             <a:endParaRPr lang="da-DK"/>
           </a:p>
@@ -2093,7 +2093,7 @@
           <a:p>
             <a:fld id="{E941B69C-30E9-4528-AF1E-84C48F433A02}" type="datetimeFigureOut">
               <a:rPr lang="da-DK" smtClean="0"/>
-              <a:t>06-03-2019</a:t>
+              <a:t>13-03-2019</a:t>
             </a:fld>
             <a:endParaRPr lang="da-DK"/>
           </a:p>
@@ -2406,7 +2406,7 @@
           <a:p>
             <a:fld id="{E941B69C-30E9-4528-AF1E-84C48F433A02}" type="datetimeFigureOut">
               <a:rPr lang="da-DK" smtClean="0"/>
-              <a:t>06-03-2019</a:t>
+              <a:t>13-03-2019</a:t>
             </a:fld>
             <a:endParaRPr lang="da-DK"/>
           </a:p>
@@ -2695,7 +2695,7 @@
           <a:p>
             <a:fld id="{E941B69C-30E9-4528-AF1E-84C48F433A02}" type="datetimeFigureOut">
               <a:rPr lang="da-DK" smtClean="0"/>
-              <a:t>06-03-2019</a:t>
+              <a:t>13-03-2019</a:t>
             </a:fld>
             <a:endParaRPr lang="da-DK"/>
           </a:p>
@@ -2938,7 +2938,7 @@
           <a:p>
             <a:fld id="{E941B69C-30E9-4528-AF1E-84C48F433A02}" type="datetimeFigureOut">
               <a:rPr lang="da-DK" smtClean="0"/>
-              <a:t>06-03-2019</a:t>
+              <a:t>13-03-2019</a:t>
             </a:fld>
             <a:endParaRPr lang="da-DK"/>
           </a:p>
@@ -3387,10 +3387,10 @@
       </p:pic>
       <p:pic>
         <p:nvPicPr>
-          <p:cNvPr id="5" name="Picture 4">
-            <a:extLst>
-              <a:ext uri="{FF2B5EF4-FFF2-40B4-BE49-F238E27FC236}">
-                <a16:creationId xmlns:a16="http://schemas.microsoft.com/office/drawing/2014/main" id="{D2016BA4-C505-4618-BC36-F9F3EFECD703}"/>
+          <p:cNvPr id="3" name="Picture 2">
+            <a:extLst>
+              <a:ext uri="{FF2B5EF4-FFF2-40B4-BE49-F238E27FC236}">
+                <a16:creationId xmlns:a16="http://schemas.microsoft.com/office/drawing/2014/main" id="{E46A59B6-A392-4DF0-820F-728DA6B48337}"/>
               </a:ext>
             </a:extLst>
           </p:cNvPr>
@@ -3407,8 +3407,8 @@
         </p:blipFill>
         <p:spPr>
           <a:xfrm>
-            <a:off x="1601164" y="1551396"/>
-            <a:ext cx="5681462" cy="4577137"/>
+            <a:off x="1601169" y="1497495"/>
+            <a:ext cx="5441382" cy="5135217"/>
           </a:xfrm>
           <a:prstGeom prst="rect">
             <a:avLst/>
